--- a/Fig1.pptx
+++ b/Fig1.pptx
@@ -241,7 +241,7 @@
           <a:p>
             <a:fld id="{61228CB0-480B-41AC-8C9D-46B005721F4D}" type="datetimeFigureOut">
               <a:rPr lang="en-US" smtClean="0"/>
-              <a:t>1/16/2019</a:t>
+              <a:t>2/21/2019</a:t>
             </a:fld>
             <a:endParaRPr lang="en-US"/>
           </a:p>
@@ -409,7 +409,7 @@
           <a:p>
             <a:fld id="{61228CB0-480B-41AC-8C9D-46B005721F4D}" type="datetimeFigureOut">
               <a:rPr lang="en-US" smtClean="0"/>
-              <a:t>1/16/2019</a:t>
+              <a:t>2/21/2019</a:t>
             </a:fld>
             <a:endParaRPr lang="en-US"/>
           </a:p>
@@ -587,7 +587,7 @@
           <a:p>
             <a:fld id="{61228CB0-480B-41AC-8C9D-46B005721F4D}" type="datetimeFigureOut">
               <a:rPr lang="en-US" smtClean="0"/>
-              <a:t>1/16/2019</a:t>
+              <a:t>2/21/2019</a:t>
             </a:fld>
             <a:endParaRPr lang="en-US"/>
           </a:p>
@@ -755,7 +755,7 @@
           <a:p>
             <a:fld id="{61228CB0-480B-41AC-8C9D-46B005721F4D}" type="datetimeFigureOut">
               <a:rPr lang="en-US" smtClean="0"/>
-              <a:t>1/16/2019</a:t>
+              <a:t>2/21/2019</a:t>
             </a:fld>
             <a:endParaRPr lang="en-US"/>
           </a:p>
@@ -1000,7 +1000,7 @@
           <a:p>
             <a:fld id="{61228CB0-480B-41AC-8C9D-46B005721F4D}" type="datetimeFigureOut">
               <a:rPr lang="en-US" smtClean="0"/>
-              <a:t>1/16/2019</a:t>
+              <a:t>2/21/2019</a:t>
             </a:fld>
             <a:endParaRPr lang="en-US"/>
           </a:p>
@@ -1229,7 +1229,7 @@
           <a:p>
             <a:fld id="{61228CB0-480B-41AC-8C9D-46B005721F4D}" type="datetimeFigureOut">
               <a:rPr lang="en-US" smtClean="0"/>
-              <a:t>1/16/2019</a:t>
+              <a:t>2/21/2019</a:t>
             </a:fld>
             <a:endParaRPr lang="en-US"/>
           </a:p>
@@ -1593,7 +1593,7 @@
           <a:p>
             <a:fld id="{61228CB0-480B-41AC-8C9D-46B005721F4D}" type="datetimeFigureOut">
               <a:rPr lang="en-US" smtClean="0"/>
-              <a:t>1/16/2019</a:t>
+              <a:t>2/21/2019</a:t>
             </a:fld>
             <a:endParaRPr lang="en-US"/>
           </a:p>
@@ -1710,7 +1710,7 @@
           <a:p>
             <a:fld id="{61228CB0-480B-41AC-8C9D-46B005721F4D}" type="datetimeFigureOut">
               <a:rPr lang="en-US" smtClean="0"/>
-              <a:t>1/16/2019</a:t>
+              <a:t>2/21/2019</a:t>
             </a:fld>
             <a:endParaRPr lang="en-US"/>
           </a:p>
@@ -1805,7 +1805,7 @@
           <a:p>
             <a:fld id="{61228CB0-480B-41AC-8C9D-46B005721F4D}" type="datetimeFigureOut">
               <a:rPr lang="en-US" smtClean="0"/>
-              <a:t>1/16/2019</a:t>
+              <a:t>2/21/2019</a:t>
             </a:fld>
             <a:endParaRPr lang="en-US"/>
           </a:p>
@@ -2080,7 +2080,7 @@
           <a:p>
             <a:fld id="{61228CB0-480B-41AC-8C9D-46B005721F4D}" type="datetimeFigureOut">
               <a:rPr lang="en-US" smtClean="0"/>
-              <a:t>1/16/2019</a:t>
+              <a:t>2/21/2019</a:t>
             </a:fld>
             <a:endParaRPr lang="en-US"/>
           </a:p>
@@ -2332,7 +2332,7 @@
           <a:p>
             <a:fld id="{61228CB0-480B-41AC-8C9D-46B005721F4D}" type="datetimeFigureOut">
               <a:rPr lang="en-US" smtClean="0"/>
-              <a:t>1/16/2019</a:t>
+              <a:t>2/21/2019</a:t>
             </a:fld>
             <a:endParaRPr lang="en-US"/>
           </a:p>
@@ -2543,7 +2543,7 @@
           <a:p>
             <a:fld id="{61228CB0-480B-41AC-8C9D-46B005721F4D}" type="datetimeFigureOut">
               <a:rPr lang="en-US" smtClean="0"/>
-              <a:t>1/16/2019</a:t>
+              <a:t>2/21/2019</a:t>
             </a:fld>
             <a:endParaRPr lang="en-US"/>
           </a:p>
@@ -2967,7 +2967,7 @@
             <p:cNvPr id="80" name="下箭头 1">
               <a:extLst>
                 <a:ext uri="{FF2B5EF4-FFF2-40B4-BE49-F238E27FC236}">
-                  <a16:creationId xmlns:a16="http://schemas.microsoft.com/office/drawing/2014/main" id="{9FFF4938-7A7E-4D0A-8EC9-3DAF722C4D0B}"/>
+                  <a16:creationId xmlns:a16="http://schemas.microsoft.com/office/drawing/2014/main" xmlns="" id="{9FFF4938-7A7E-4D0A-8EC9-3DAF722C4D0B}"/>
                 </a:ext>
               </a:extLst>
             </p:cNvPr>
@@ -3107,7 +3107,7 @@
             <p:cNvPr id="77" name="下箭头 1">
               <a:extLst>
                 <a:ext uri="{FF2B5EF4-FFF2-40B4-BE49-F238E27FC236}">
-                  <a16:creationId xmlns:a16="http://schemas.microsoft.com/office/drawing/2014/main" id="{7C7BA398-C599-41EF-9158-2C6D5D3A799E}"/>
+                  <a16:creationId xmlns:a16="http://schemas.microsoft.com/office/drawing/2014/main" xmlns="" id="{7C7BA398-C599-41EF-9158-2C6D5D3A799E}"/>
                 </a:ext>
               </a:extLst>
             </p:cNvPr>
@@ -3180,7 +3180,7 @@
             <p:cNvPr id="76" name="下箭头 1">
               <a:extLst>
                 <a:ext uri="{FF2B5EF4-FFF2-40B4-BE49-F238E27FC236}">
-                  <a16:creationId xmlns:a16="http://schemas.microsoft.com/office/drawing/2014/main" id="{46217102-4F06-4863-BB06-3EBCFA8FB100}"/>
+                  <a16:creationId xmlns:a16="http://schemas.microsoft.com/office/drawing/2014/main" xmlns="" id="{46217102-4F06-4863-BB06-3EBCFA8FB100}"/>
                 </a:ext>
               </a:extLst>
             </p:cNvPr>
@@ -3289,8 +3289,8 @@
             </a:fontRef>
           </p:style>
         </p:cxnSp>
-        <mc:AlternateContent xmlns:mc="http://schemas.openxmlformats.org/markup-compatibility/2006">
-          <mc:Choice xmlns:a14="http://schemas.microsoft.com/office/drawing/2010/main" Requires="a14">
+        <mc:AlternateContent xmlns:mc="http://schemas.openxmlformats.org/markup-compatibility/2006" xmlns:a14="http://schemas.microsoft.com/office/drawing/2010/main">
+          <mc:Choice Requires="a14">
             <p:sp>
               <p:nvSpPr>
                 <p:cNvPr id="67" name="Flowchart: Process 66"/>
@@ -3456,7 +3456,7 @@
               </p:txBody>
             </p:sp>
           </mc:Choice>
-          <mc:Fallback>
+          <mc:Fallback xmlns="">
             <p:sp>
               <p:nvSpPr>
                 <p:cNvPr id="67" name="Flowchart: Process 66"/>
@@ -3851,7 +3851,7 @@
             <p:cNvPr id="34" name="Flowchart: Process 89">
               <a:extLst>
                 <a:ext uri="{FF2B5EF4-FFF2-40B4-BE49-F238E27FC236}">
-                  <a16:creationId xmlns:a16="http://schemas.microsoft.com/office/drawing/2014/main" id="{93750866-643D-4BCF-A4D4-6F920B525602}"/>
+                  <a16:creationId xmlns:a16="http://schemas.microsoft.com/office/drawing/2014/main" xmlns="" id="{93750866-643D-4BCF-A4D4-6F920B525602}"/>
                 </a:ext>
               </a:extLst>
             </p:cNvPr>
@@ -3933,7 +3933,7 @@
             <p:cNvPr id="35" name="Flowchart: Process 89">
               <a:extLst>
                 <a:ext uri="{FF2B5EF4-FFF2-40B4-BE49-F238E27FC236}">
-                  <a16:creationId xmlns:a16="http://schemas.microsoft.com/office/drawing/2014/main" id="{C71F87BC-B958-4749-ADB0-B3A734AF1A13}"/>
+                  <a16:creationId xmlns:a16="http://schemas.microsoft.com/office/drawing/2014/main" xmlns="" id="{C71F87BC-B958-4749-ADB0-B3A734AF1A13}"/>
                 </a:ext>
               </a:extLst>
             </p:cNvPr>
@@ -4017,7 +4017,7 @@
             <p:cNvPr id="36" name="Flowchart: Process 89">
               <a:extLst>
                 <a:ext uri="{FF2B5EF4-FFF2-40B4-BE49-F238E27FC236}">
-                  <a16:creationId xmlns:a16="http://schemas.microsoft.com/office/drawing/2014/main" id="{733ABABC-9200-4A59-BA19-45A08DEA5DC6}"/>
+                  <a16:creationId xmlns:a16="http://schemas.microsoft.com/office/drawing/2014/main" xmlns="" id="{733ABABC-9200-4A59-BA19-45A08DEA5DC6}"/>
                 </a:ext>
               </a:extLst>
             </p:cNvPr>
@@ -4100,7 +4100,7 @@
             <p:cNvPr id="41" name="Flowchart: Process 89">
               <a:extLst>
                 <a:ext uri="{FF2B5EF4-FFF2-40B4-BE49-F238E27FC236}">
-                  <a16:creationId xmlns:a16="http://schemas.microsoft.com/office/drawing/2014/main" id="{B83EE6D1-57F8-4C70-9077-597D42A9A5BF}"/>
+                  <a16:creationId xmlns:a16="http://schemas.microsoft.com/office/drawing/2014/main" xmlns="" id="{B83EE6D1-57F8-4C70-9077-597D42A9A5BF}"/>
                 </a:ext>
               </a:extLst>
             </p:cNvPr>
@@ -4187,7 +4187,7 @@
             <p:cNvPr id="43" name="Flowchart: Process 89">
               <a:extLst>
                 <a:ext uri="{FF2B5EF4-FFF2-40B4-BE49-F238E27FC236}">
-                  <a16:creationId xmlns:a16="http://schemas.microsoft.com/office/drawing/2014/main" id="{04E12862-8A7D-4BF4-9A0E-94F7FBAF7F07}"/>
+                  <a16:creationId xmlns:a16="http://schemas.microsoft.com/office/drawing/2014/main" xmlns="" id="{04E12862-8A7D-4BF4-9A0E-94F7FBAF7F07}"/>
                 </a:ext>
               </a:extLst>
             </p:cNvPr>
@@ -4243,6 +4243,26 @@
                 </a:lnSpc>
               </a:pPr>
               <a:r>
+                <a:rPr lang="en-US" altLang="zh-CN" sz="2000" b="1" dirty="0" smtClean="0">
+                  <a:solidFill>
+                    <a:schemeClr val="tx1"/>
+                  </a:solidFill>
+                  <a:latin typeface="Times New Roman" panose="02020603050405020304" pitchFamily="18" charset="0"/>
+                  <a:cs typeface="Times New Roman" panose="02020603050405020304" pitchFamily="18" charset="0"/>
+                </a:rPr>
+                <a:t>Domain</a:t>
+              </a:r>
+              <a:r>
+                <a:rPr lang="en-US" sz="2000" b="1" dirty="0" smtClean="0">
+                  <a:solidFill>
+                    <a:schemeClr val="tx1"/>
+                  </a:solidFill>
+                  <a:latin typeface="Times New Roman" panose="02020603050405020304" pitchFamily="18" charset="0"/>
+                  <a:cs typeface="Times New Roman" panose="02020603050405020304" pitchFamily="18" charset="0"/>
+                </a:rPr>
+                <a:t> </a:t>
+              </a:r>
+              <a:r>
                 <a:rPr lang="en-US" sz="2000" b="1" dirty="0">
                   <a:solidFill>
                     <a:schemeClr val="tx1"/>
@@ -4250,7 +4270,7 @@
                   <a:latin typeface="Times New Roman" panose="02020603050405020304" pitchFamily="18" charset="0"/>
                   <a:cs typeface="Times New Roman" panose="02020603050405020304" pitchFamily="18" charset="0"/>
                 </a:rPr>
-                <a:t>Function Similarity Index</a:t>
+                <a:t>Similarity Index</a:t>
               </a:r>
             </a:p>
           </p:txBody>
@@ -4260,7 +4280,7 @@
             <p:cNvPr id="11" name="平行四边形 10">
               <a:extLst>
                 <a:ext uri="{FF2B5EF4-FFF2-40B4-BE49-F238E27FC236}">
-                  <a16:creationId xmlns:a16="http://schemas.microsoft.com/office/drawing/2014/main" id="{9A639B56-54EB-41B4-B603-C4C5EF9227E5}"/>
+                  <a16:creationId xmlns:a16="http://schemas.microsoft.com/office/drawing/2014/main" xmlns="" id="{9A639B56-54EB-41B4-B603-C4C5EF9227E5}"/>
                 </a:ext>
               </a:extLst>
             </p:cNvPr>
@@ -4331,7 +4351,7 @@
             <p:cNvPr id="48" name="平行四边形 47">
               <a:extLst>
                 <a:ext uri="{FF2B5EF4-FFF2-40B4-BE49-F238E27FC236}">
-                  <a16:creationId xmlns:a16="http://schemas.microsoft.com/office/drawing/2014/main" id="{A68BF1C7-0B7A-4064-9B14-6742F0AD53A4}"/>
+                  <a16:creationId xmlns:a16="http://schemas.microsoft.com/office/drawing/2014/main" xmlns="" id="{A68BF1C7-0B7A-4064-9B14-6742F0AD53A4}"/>
                 </a:ext>
               </a:extLst>
             </p:cNvPr>
@@ -4403,7 +4423,7 @@
             <p:cNvPr id="49" name="文本框 48">
               <a:extLst>
                 <a:ext uri="{FF2B5EF4-FFF2-40B4-BE49-F238E27FC236}">
-                  <a16:creationId xmlns:a16="http://schemas.microsoft.com/office/drawing/2014/main" id="{A9534BCE-0CD4-4240-A95D-6E544551FA0F}"/>
+                  <a16:creationId xmlns:a16="http://schemas.microsoft.com/office/drawing/2014/main" xmlns="" id="{A9534BCE-0CD4-4240-A95D-6E544551FA0F}"/>
                 </a:ext>
               </a:extLst>
             </p:cNvPr>
@@ -4443,7 +4463,7 @@
             <p:cNvPr id="52" name="Straight Arrow Connector 41">
               <a:extLst>
                 <a:ext uri="{FF2B5EF4-FFF2-40B4-BE49-F238E27FC236}">
-                  <a16:creationId xmlns:a16="http://schemas.microsoft.com/office/drawing/2014/main" id="{1AB52E30-5BB5-461C-BA59-89C5FCC49064}"/>
+                  <a16:creationId xmlns:a16="http://schemas.microsoft.com/office/drawing/2014/main" xmlns="" id="{1AB52E30-5BB5-461C-BA59-89C5FCC49064}"/>
                 </a:ext>
               </a:extLst>
             </p:cNvPr>
@@ -4490,7 +4510,7 @@
             <p:cNvPr id="54" name="Straight Arrow Connector 41">
               <a:extLst>
                 <a:ext uri="{FF2B5EF4-FFF2-40B4-BE49-F238E27FC236}">
-                  <a16:creationId xmlns:a16="http://schemas.microsoft.com/office/drawing/2014/main" id="{AD359C50-D19B-4D86-AE8A-E5D86BEE238C}"/>
+                  <a16:creationId xmlns:a16="http://schemas.microsoft.com/office/drawing/2014/main" xmlns="" id="{AD359C50-D19B-4D86-AE8A-E5D86BEE238C}"/>
                 </a:ext>
               </a:extLst>
             </p:cNvPr>
@@ -4537,7 +4557,7 @@
             <p:cNvPr id="33" name="组合 32">
               <a:extLst>
                 <a:ext uri="{FF2B5EF4-FFF2-40B4-BE49-F238E27FC236}">
-                  <a16:creationId xmlns:a16="http://schemas.microsoft.com/office/drawing/2014/main" id="{31F98341-9192-40CA-8A04-75EE55987AEE}"/>
+                  <a16:creationId xmlns:a16="http://schemas.microsoft.com/office/drawing/2014/main" xmlns="" id="{31F98341-9192-40CA-8A04-75EE55987AEE}"/>
                 </a:ext>
               </a:extLst>
             </p:cNvPr>
@@ -4611,7 +4631,7 @@
               <p:cNvPr id="30" name="直接连接符 29">
                 <a:extLst>
                   <a:ext uri="{FF2B5EF4-FFF2-40B4-BE49-F238E27FC236}">
-                    <a16:creationId xmlns:a16="http://schemas.microsoft.com/office/drawing/2014/main" id="{010EDB58-28BF-42E5-B574-A1D490CED3E7}"/>
+                    <a16:creationId xmlns:a16="http://schemas.microsoft.com/office/drawing/2014/main" xmlns="" id="{010EDB58-28BF-42E5-B574-A1D490CED3E7}"/>
                   </a:ext>
                 </a:extLst>
               </p:cNvPr>
@@ -4655,7 +4675,7 @@
               <p:cNvPr id="59" name="直接连接符 58">
                 <a:extLst>
                   <a:ext uri="{FF2B5EF4-FFF2-40B4-BE49-F238E27FC236}">
-                    <a16:creationId xmlns:a16="http://schemas.microsoft.com/office/drawing/2014/main" id="{B5FE5045-543E-43CD-9193-982A2CF8AC16}"/>
+                    <a16:creationId xmlns:a16="http://schemas.microsoft.com/office/drawing/2014/main" xmlns="" id="{B5FE5045-543E-43CD-9193-982A2CF8AC16}"/>
                   </a:ext>
                 </a:extLst>
               </p:cNvPr>
@@ -4699,7 +4719,7 @@
               <p:cNvPr id="60" name="直接连接符 59">
                 <a:extLst>
                   <a:ext uri="{FF2B5EF4-FFF2-40B4-BE49-F238E27FC236}">
-                    <a16:creationId xmlns:a16="http://schemas.microsoft.com/office/drawing/2014/main" id="{3561A739-5E12-4DE2-83C3-FAC7CD4B4C9A}"/>
+                    <a16:creationId xmlns:a16="http://schemas.microsoft.com/office/drawing/2014/main" xmlns="" id="{3561A739-5E12-4DE2-83C3-FAC7CD4B4C9A}"/>
                   </a:ext>
                 </a:extLst>
               </p:cNvPr>
@@ -4746,7 +4766,7 @@
             <p:cNvPr id="64" name="组合 63">
               <a:extLst>
                 <a:ext uri="{FF2B5EF4-FFF2-40B4-BE49-F238E27FC236}">
-                  <a16:creationId xmlns:a16="http://schemas.microsoft.com/office/drawing/2014/main" id="{E0728EDC-F441-41DB-B14D-1D6CF53CD292}"/>
+                  <a16:creationId xmlns:a16="http://schemas.microsoft.com/office/drawing/2014/main" xmlns="" id="{E0728EDC-F441-41DB-B14D-1D6CF53CD292}"/>
                 </a:ext>
               </a:extLst>
             </p:cNvPr>
@@ -4766,7 +4786,7 @@
               <p:cNvPr id="65" name="Straight Arrow Connector 17">
                 <a:extLst>
                   <a:ext uri="{FF2B5EF4-FFF2-40B4-BE49-F238E27FC236}">
-                    <a16:creationId xmlns:a16="http://schemas.microsoft.com/office/drawing/2014/main" id="{E90323D1-C787-4808-ADB5-2D97D318B67D}"/>
+                    <a16:creationId xmlns:a16="http://schemas.microsoft.com/office/drawing/2014/main" xmlns="" id="{E90323D1-C787-4808-ADB5-2D97D318B67D}"/>
                   </a:ext>
                 </a:extLst>
               </p:cNvPr>
@@ -4828,7 +4848,7 @@
               <p:cNvPr id="66" name="直接连接符 65">
                 <a:extLst>
                   <a:ext uri="{FF2B5EF4-FFF2-40B4-BE49-F238E27FC236}">
-                    <a16:creationId xmlns:a16="http://schemas.microsoft.com/office/drawing/2014/main" id="{93848064-3605-445C-B51A-E8AD55B00EDB}"/>
+                    <a16:creationId xmlns:a16="http://schemas.microsoft.com/office/drawing/2014/main" xmlns="" id="{93848064-3605-445C-B51A-E8AD55B00EDB}"/>
                   </a:ext>
                 </a:extLst>
               </p:cNvPr>
@@ -4872,7 +4892,7 @@
               <p:cNvPr id="69" name="直接连接符 68">
                 <a:extLst>
                   <a:ext uri="{FF2B5EF4-FFF2-40B4-BE49-F238E27FC236}">
-                    <a16:creationId xmlns:a16="http://schemas.microsoft.com/office/drawing/2014/main" id="{3A8A256A-C29B-4D8E-AE0E-B7632F129619}"/>
+                    <a16:creationId xmlns:a16="http://schemas.microsoft.com/office/drawing/2014/main" xmlns="" id="{3A8A256A-C29B-4D8E-AE0E-B7632F129619}"/>
                   </a:ext>
                 </a:extLst>
               </p:cNvPr>
@@ -4916,7 +4936,7 @@
               <p:cNvPr id="70" name="直接连接符 69">
                 <a:extLst>
                   <a:ext uri="{FF2B5EF4-FFF2-40B4-BE49-F238E27FC236}">
-                    <a16:creationId xmlns:a16="http://schemas.microsoft.com/office/drawing/2014/main" id="{6244CAA2-9C26-47ED-9600-D3B68D7E7F89}"/>
+                    <a16:creationId xmlns:a16="http://schemas.microsoft.com/office/drawing/2014/main" xmlns="" id="{6244CAA2-9C26-47ED-9600-D3B68D7E7F89}"/>
                   </a:ext>
                 </a:extLst>
               </p:cNvPr>
@@ -4963,7 +4983,7 @@
             <p:cNvPr id="78" name="平行四边形 77">
               <a:extLst>
                 <a:ext uri="{FF2B5EF4-FFF2-40B4-BE49-F238E27FC236}">
-                  <a16:creationId xmlns:a16="http://schemas.microsoft.com/office/drawing/2014/main" id="{72EA5C5A-EA77-4298-BF59-C31AAAA40C8D}"/>
+                  <a16:creationId xmlns:a16="http://schemas.microsoft.com/office/drawing/2014/main" xmlns="" id="{72EA5C5A-EA77-4298-BF59-C31AAAA40C8D}"/>
                 </a:ext>
               </a:extLst>
             </p:cNvPr>
@@ -5034,7 +5054,7 @@
             <p:cNvPr id="79" name="下箭头 1">
               <a:extLst>
                 <a:ext uri="{FF2B5EF4-FFF2-40B4-BE49-F238E27FC236}">
-                  <a16:creationId xmlns:a16="http://schemas.microsoft.com/office/drawing/2014/main" id="{E7195235-02FB-44DF-A4DD-2F242D86C8DC}"/>
+                  <a16:creationId xmlns:a16="http://schemas.microsoft.com/office/drawing/2014/main" xmlns="" id="{E7195235-02FB-44DF-A4DD-2F242D86C8DC}"/>
                 </a:ext>
               </a:extLst>
             </p:cNvPr>
